--- a/文档/答辩ppt.pptx
+++ b/文档/答辩ppt.pptx
@@ -8187,7 +8187,7 @@
                   <a:schemeClr val="accent4"/>
                 </a:solidFill>
               </a:rPr>
-              <a:t>（由于之前没学过用例模型，因此工作量</a:t>
+              <a:t>（由于之前没学过用例模型，因此</a:t>
             </a:r>
             <a:r>
               <a:rPr lang="zh-CN" altLang="en-US" b="1" dirty="0" smtClean="0">
@@ -8195,7 +8195,7 @@
                   <a:srgbClr val="C00000"/>
                 </a:solidFill>
               </a:rPr>
-              <a:t>巨大</a:t>
+              <a:t>工作量巨大！！</a:t>
             </a:r>
             <a:r>
               <a:rPr lang="zh-CN" altLang="en-US" dirty="0" smtClean="0">
@@ -8203,7 +8203,7 @@
                   <a:schemeClr val="accent4"/>
                 </a:solidFill>
               </a:rPr>
-              <a:t>！！），后期也负责</a:t>
+              <a:t>），后期也负责</a:t>
             </a:r>
             <a:r>
               <a:rPr lang="zh-CN" altLang="en-US" dirty="0">
